--- a/slides/Lecture10-02-18-25-NumericalDerivatives.pptx
+++ b/slides/Lecture10-02-18-25-NumericalDerivatives.pptx
@@ -273,7 +273,7 @@
           <a:p>
             <a:fld id="{961AF02B-09B0-4980-983D-27C0EDB561B5}" type="datetimeFigureOut">
               <a:rPr lang="uk-UA" smtClean="0"/>
-              <a:t>18.02.25</a:t>
+              <a:t>02.05.25</a:t>
             </a:fld>
             <a:endParaRPr lang="uk-UA"/>
           </a:p>
@@ -8390,7 +8390,7 @@
           <p:nvPr/>
         </p:nvPicPr>
         <p:blipFill>
-          <a:blip r:embed="rId3"/>
+          <a:blip r:embed="rId4"/>
           <a:stretch>
             <a:fillRect/>
           </a:stretch>
@@ -17691,8 +17691,8 @@
           </p:sp>
         </mc:Fallback>
       </mc:AlternateContent>
-      <mc:AlternateContent xmlns:mc="http://schemas.openxmlformats.org/markup-compatibility/2006">
-        <mc:Choice xmlns:a14="http://schemas.microsoft.com/office/drawing/2010/main" Requires="a14">
+      <mc:AlternateContent xmlns:mc="http://schemas.openxmlformats.org/markup-compatibility/2006" xmlns:a14="http://schemas.microsoft.com/office/drawing/2010/main">
+        <mc:Choice Requires="a14">
           <p:sp>
             <p:nvSpPr>
               <p:cNvPr id="3" name="TextBox 2">
@@ -17721,7 +17721,6 @@
               </a:bodyPr>
               <a:lstStyle/>
               <a:p>
-                <a:pPr/>
                 <a14:m>
                   <m:oMath xmlns:m="http://schemas.openxmlformats.org/officeDocument/2006/math">
                     <m:sSub>
@@ -17760,7 +17759,7 @@
             </p:txBody>
           </p:sp>
         </mc:Choice>
-        <mc:Fallback>
+        <mc:Fallback xmlns="">
           <p:sp>
             <p:nvSpPr>
               <p:cNvPr id="3" name="TextBox 2">
